--- a/reports/presentation_with_slide_notes_doug.pptx
+++ b/reports/presentation_with_slide_notes_doug.pptx
@@ -287,7 +287,7 @@
           <a:p>
             <a:fld id="{7815AAF6-D9AF-47C3-92DD-99476B64B79F}" type="datetimeFigureOut">
               <a:rPr lang="en-US" smtClean="0"/>
-              <a:t>1/21/2019</a:t>
+              <a:t>1/22/2019</a:t>
             </a:fld>
             <a:endParaRPr lang="en-US"/>
           </a:p>
@@ -485,7 +485,7 @@
           <a:p>
             <a:fld id="{7815AAF6-D9AF-47C3-92DD-99476B64B79F}" type="datetimeFigureOut">
               <a:rPr lang="en-US" smtClean="0"/>
-              <a:t>1/21/2019</a:t>
+              <a:t>1/22/2019</a:t>
             </a:fld>
             <a:endParaRPr lang="en-US"/>
           </a:p>
@@ -693,7 +693,7 @@
           <a:p>
             <a:fld id="{7815AAF6-D9AF-47C3-92DD-99476B64B79F}" type="datetimeFigureOut">
               <a:rPr lang="en-US" smtClean="0"/>
-              <a:t>1/21/2019</a:t>
+              <a:t>1/22/2019</a:t>
             </a:fld>
             <a:endParaRPr lang="en-US"/>
           </a:p>
@@ -891,7 +891,7 @@
           <a:p>
             <a:fld id="{7815AAF6-D9AF-47C3-92DD-99476B64B79F}" type="datetimeFigureOut">
               <a:rPr lang="en-US" smtClean="0"/>
-              <a:t>1/21/2019</a:t>
+              <a:t>1/22/2019</a:t>
             </a:fld>
             <a:endParaRPr lang="en-US"/>
           </a:p>
@@ -1166,7 +1166,7 @@
           <a:p>
             <a:fld id="{7815AAF6-D9AF-47C3-92DD-99476B64B79F}" type="datetimeFigureOut">
               <a:rPr lang="en-US" smtClean="0"/>
-              <a:t>1/21/2019</a:t>
+              <a:t>1/22/2019</a:t>
             </a:fld>
             <a:endParaRPr lang="en-US"/>
           </a:p>
@@ -1431,7 +1431,7 @@
           <a:p>
             <a:fld id="{7815AAF6-D9AF-47C3-92DD-99476B64B79F}" type="datetimeFigureOut">
               <a:rPr lang="en-US" smtClean="0"/>
-              <a:t>1/21/2019</a:t>
+              <a:t>1/22/2019</a:t>
             </a:fld>
             <a:endParaRPr lang="en-US"/>
           </a:p>
@@ -1843,7 +1843,7 @@
           <a:p>
             <a:fld id="{7815AAF6-D9AF-47C3-92DD-99476B64B79F}" type="datetimeFigureOut">
               <a:rPr lang="en-US" smtClean="0"/>
-              <a:t>1/21/2019</a:t>
+              <a:t>1/22/2019</a:t>
             </a:fld>
             <a:endParaRPr lang="en-US"/>
           </a:p>
@@ -1984,7 +1984,7 @@
           <a:p>
             <a:fld id="{7815AAF6-D9AF-47C3-92DD-99476B64B79F}" type="datetimeFigureOut">
               <a:rPr lang="en-US" smtClean="0"/>
-              <a:t>1/21/2019</a:t>
+              <a:t>1/22/2019</a:t>
             </a:fld>
             <a:endParaRPr lang="en-US"/>
           </a:p>
@@ -2097,7 +2097,7 @@
           <a:p>
             <a:fld id="{7815AAF6-D9AF-47C3-92DD-99476B64B79F}" type="datetimeFigureOut">
               <a:rPr lang="en-US" smtClean="0"/>
-              <a:t>1/21/2019</a:t>
+              <a:t>1/22/2019</a:t>
             </a:fld>
             <a:endParaRPr lang="en-US"/>
           </a:p>
@@ -2408,7 +2408,7 @@
           <a:p>
             <a:fld id="{7815AAF6-D9AF-47C3-92DD-99476B64B79F}" type="datetimeFigureOut">
               <a:rPr lang="en-US" smtClean="0"/>
-              <a:t>1/21/2019</a:t>
+              <a:t>1/22/2019</a:t>
             </a:fld>
             <a:endParaRPr lang="en-US"/>
           </a:p>
@@ -2696,7 +2696,7 @@
           <a:p>
             <a:fld id="{7815AAF6-D9AF-47C3-92DD-99476B64B79F}" type="datetimeFigureOut">
               <a:rPr lang="en-US" smtClean="0"/>
-              <a:t>1/21/2019</a:t>
+              <a:t>1/22/2019</a:t>
             </a:fld>
             <a:endParaRPr lang="en-US"/>
           </a:p>
@@ -2937,7 +2937,7 @@
           <a:p>
             <a:fld id="{7815AAF6-D9AF-47C3-92DD-99476B64B79F}" type="datetimeFigureOut">
               <a:rPr lang="en-US" smtClean="0"/>
-              <a:t>1/21/2019</a:t>
+              <a:t>1/22/2019</a:t>
             </a:fld>
             <a:endParaRPr lang="en-US"/>
           </a:p>
@@ -3558,7 +3558,7 @@
                   </a:schemeClr>
                 </a:solidFill>
               </a:rPr>
-              <a:t>Data Science Project 1</a:t>
+              <a:t>Houston Emergency Coders</a:t>
             </a:r>
           </a:p>
           <a:p>
